--- a/materials/ch13/ch13-access_token和菜单.pptx
+++ b/materials/ch13/ch13-access_token和菜单.pptx
@@ -6,10 +6,10 @@
   </p:sldMasterIdLst>
   <p:sldIdLst>
     <p:sldId id="256" r:id="rId2"/>
-    <p:sldId id="275" r:id="rId3"/>
-    <p:sldId id="277" r:id="rId4"/>
-    <p:sldId id="278" r:id="rId5"/>
-    <p:sldId id="276" r:id="rId6"/>
+    <p:sldId id="276" r:id="rId3"/>
+    <p:sldId id="275" r:id="rId4"/>
+    <p:sldId id="277" r:id="rId5"/>
+    <p:sldId id="278" r:id="rId6"/>
     <p:sldId id="279" r:id="rId7"/>
     <p:sldId id="280" r:id="rId8"/>
     <p:sldId id="274" r:id="rId9"/>
@@ -548,7 +548,7 @@
           <a:p>
             <a:fld id="{10955001-8E90-43AD-87AF-166875BDDBE4}" type="datetimeFigureOut">
               <a:rPr lang="zh-CN" altLang="en-US" smtClean="0"/>
-              <a:t>2020/8/18</a:t>
+              <a:t>2020/8/22</a:t>
             </a:fld>
             <a:endParaRPr lang="zh-CN" altLang="en-US"/>
           </a:p>
@@ -780,7 +780,7 @@
           <a:p>
             <a:fld id="{10955001-8E90-43AD-87AF-166875BDDBE4}" type="datetimeFigureOut">
               <a:rPr lang="zh-CN" altLang="en-US" smtClean="0"/>
-              <a:t>2020/8/18</a:t>
+              <a:t>2020/8/22</a:t>
             </a:fld>
             <a:endParaRPr lang="zh-CN" altLang="en-US"/>
           </a:p>
@@ -1278,7 +1278,7 @@
           <a:p>
             <a:fld id="{10955001-8E90-43AD-87AF-166875BDDBE4}" type="datetimeFigureOut">
               <a:rPr lang="zh-CN" altLang="en-US" smtClean="0"/>
-              <a:t>2020/8/18</a:t>
+              <a:t>2020/8/22</a:t>
             </a:fld>
             <a:endParaRPr lang="zh-CN" altLang="en-US"/>
           </a:p>
@@ -1707,7 +1707,7 @@
           <a:p>
             <a:fld id="{10955001-8E90-43AD-87AF-166875BDDBE4}" type="datetimeFigureOut">
               <a:rPr lang="zh-CN" altLang="en-US" smtClean="0"/>
-              <a:t>2020/8/18</a:t>
+              <a:t>2020/8/22</a:t>
             </a:fld>
             <a:endParaRPr lang="zh-CN" altLang="en-US"/>
           </a:p>
@@ -2224,7 +2224,7 @@
           <a:p>
             <a:fld id="{10955001-8E90-43AD-87AF-166875BDDBE4}" type="datetimeFigureOut">
               <a:rPr lang="zh-CN" altLang="en-US" smtClean="0"/>
-              <a:t>2020/8/18</a:t>
+              <a:t>2020/8/22</a:t>
             </a:fld>
             <a:endParaRPr lang="zh-CN" altLang="en-US"/>
           </a:p>
@@ -2684,7 +2684,7 @@
           <a:p>
             <a:fld id="{10955001-8E90-43AD-87AF-166875BDDBE4}" type="datetimeFigureOut">
               <a:rPr lang="zh-CN" altLang="en-US" smtClean="0"/>
-              <a:t>2020/8/18</a:t>
+              <a:t>2020/8/22</a:t>
             </a:fld>
             <a:endParaRPr lang="zh-CN" altLang="en-US"/>
           </a:p>
@@ -2996,7 +2996,7 @@
           <a:p>
             <a:fld id="{10955001-8E90-43AD-87AF-166875BDDBE4}" type="datetimeFigureOut">
               <a:rPr lang="zh-CN" altLang="en-US" smtClean="0"/>
-              <a:t>2020/8/18</a:t>
+              <a:t>2020/8/22</a:t>
             </a:fld>
             <a:endParaRPr lang="zh-CN" altLang="en-US"/>
           </a:p>
@@ -3584,14 +3584,20 @@
           <a:lstStyle/>
           <a:p>
             <a:r>
-              <a:rPr lang="en-US" altLang="zh-CN"/>
+              <a:rPr lang="en-US" altLang="zh-CN">
+                <a:latin typeface="Roboto Mono Light" pitchFamily="2" charset="0"/>
+              </a:rPr>
               <a:t>access_token</a:t>
             </a:r>
             <a:r>
-              <a:rPr lang="zh-CN" altLang="en-US"/>
+              <a:rPr lang="zh-CN" altLang="en-US">
+                <a:latin typeface="Roboto Mono Light" pitchFamily="2" charset="0"/>
+              </a:rPr>
               <a:t>和菜单管理</a:t>
             </a:r>
-            <a:endParaRPr lang="zh-CN" altLang="en-US" dirty="0"/>
+            <a:endParaRPr lang="zh-CN" altLang="en-US" dirty="0">
+              <a:latin typeface="Roboto Mono Light" pitchFamily="2" charset="0"/>
+            </a:endParaRPr>
           </a:p>
         </p:txBody>
       </p:sp>
@@ -3744,7 +3750,7 @@
           <p:cNvPr id="2" name="标题 1">
             <a:extLst>
               <a:ext uri="{FF2B5EF4-FFF2-40B4-BE49-F238E27FC236}">
-                <a16:creationId xmlns:a16="http://schemas.microsoft.com/office/drawing/2014/main" id="{A120AA4C-488A-4AAD-94EF-B1988083690E}"/>
+                <a16:creationId xmlns:a16="http://schemas.microsoft.com/office/drawing/2014/main" id="{8EC316A7-C113-4E3B-B63F-E5F95F0FDEE4}"/>
               </a:ext>
             </a:extLst>
           </p:cNvPr>
@@ -3761,18 +3767,9 @@
           <a:lstStyle/>
           <a:p>
             <a:r>
-              <a:rPr lang="en-US" altLang="zh-CN"/>
-              <a:t>appid</a:t>
-            </a:r>
-            <a:r>
               <a:rPr lang="zh-CN" altLang="en-US"/>
-              <a:t>和</a:t>
-            </a:r>
-            <a:r>
-              <a:rPr lang="en-US" altLang="zh-CN"/>
-              <a:t>appsecert</a:t>
-            </a:r>
-            <a:endParaRPr lang="zh-CN" altLang="en-US"/>
+              <a:t>申请测试号</a:t>
+            </a:r>
           </a:p>
         </p:txBody>
       </p:sp>
@@ -3781,7 +3778,7 @@
           <p:cNvPr id="3" name="内容占位符 2">
             <a:extLst>
               <a:ext uri="{FF2B5EF4-FFF2-40B4-BE49-F238E27FC236}">
-                <a16:creationId xmlns:a16="http://schemas.microsoft.com/office/drawing/2014/main" id="{97085026-6C03-498C-998E-FB0B7B216CCD}"/>
+                <a16:creationId xmlns:a16="http://schemas.microsoft.com/office/drawing/2014/main" id="{985709F1-043C-4EAF-9103-29708F2D9735}"/>
               </a:ext>
             </a:extLst>
           </p:cNvPr>
@@ -3804,7 +3801,7 @@
     </p:spTree>
     <p:extLst>
       <p:ext uri="{BB962C8B-B14F-4D97-AF65-F5344CB8AC3E}">
-        <p14:creationId xmlns:p14="http://schemas.microsoft.com/office/powerpoint/2010/main" val="3930959555"/>
+        <p14:creationId xmlns:p14="http://schemas.microsoft.com/office/powerpoint/2010/main" val="648880728"/>
       </p:ext>
     </p:extLst>
   </p:cSld>
@@ -3853,12 +3850,16 @@
           <a:lstStyle/>
           <a:p>
             <a:r>
+              <a:rPr lang="en-US" altLang="zh-CN"/>
+              <a:t>AppID</a:t>
+            </a:r>
+            <a:r>
               <a:rPr lang="zh-CN" altLang="en-US"/>
-              <a:t>获取</a:t>
+              <a:t>和</a:t>
             </a:r>
             <a:r>
               <a:rPr lang="en-US" altLang="zh-CN"/>
-              <a:t>access_token</a:t>
+              <a:t>AppSecert</a:t>
             </a:r>
             <a:endParaRPr lang="zh-CN" altLang="en-US"/>
           </a:p>
@@ -3892,7 +3893,7 @@
     </p:spTree>
     <p:extLst>
       <p:ext uri="{BB962C8B-B14F-4D97-AF65-F5344CB8AC3E}">
-        <p14:creationId xmlns:p14="http://schemas.microsoft.com/office/powerpoint/2010/main" val="3739701447"/>
+        <p14:creationId xmlns:p14="http://schemas.microsoft.com/office/powerpoint/2010/main" val="3930959555"/>
       </p:ext>
     </p:extLst>
   </p:cSld>
@@ -3937,19 +3938,18 @@
         </p:nvSpPr>
         <p:spPr/>
         <p:txBody>
-          <a:bodyPr>
-            <a:normAutofit/>
-          </a:bodyPr>
+          <a:bodyPr/>
           <a:lstStyle/>
           <a:p>
             <a:r>
+              <a:rPr lang="zh-CN" altLang="en-US"/>
+              <a:t>获取</a:t>
+            </a:r>
+            <a:r>
               <a:rPr lang="en-US" altLang="zh-CN"/>
-              <a:t>IP</a:t>
-            </a:r>
-            <a:r>
-              <a:rPr lang="zh-CN" altLang="en-US"/>
-              <a:t>白名单</a:t>
-            </a:r>
+              <a:t>access_token</a:t>
+            </a:r>
+            <a:endParaRPr lang="zh-CN" altLang="en-US"/>
           </a:p>
         </p:txBody>
       </p:sp>
@@ -3981,7 +3981,7 @@
     </p:spTree>
     <p:extLst>
       <p:ext uri="{BB962C8B-B14F-4D97-AF65-F5344CB8AC3E}">
-        <p14:creationId xmlns:p14="http://schemas.microsoft.com/office/powerpoint/2010/main" val="3093706499"/>
+        <p14:creationId xmlns:p14="http://schemas.microsoft.com/office/powerpoint/2010/main" val="3739701447"/>
       </p:ext>
     </p:extLst>
   </p:cSld>
@@ -4013,7 +4013,7 @@
           <p:cNvPr id="2" name="标题 1">
             <a:extLst>
               <a:ext uri="{FF2B5EF4-FFF2-40B4-BE49-F238E27FC236}">
-                <a16:creationId xmlns:a16="http://schemas.microsoft.com/office/drawing/2014/main" id="{8EC316A7-C113-4E3B-B63F-E5F95F0FDEE4}"/>
+                <a16:creationId xmlns:a16="http://schemas.microsoft.com/office/drawing/2014/main" id="{A120AA4C-488A-4AAD-94EF-B1988083690E}"/>
               </a:ext>
             </a:extLst>
           </p:cNvPr>
@@ -4026,12 +4026,18 @@
         </p:nvSpPr>
         <p:spPr/>
         <p:txBody>
-          <a:bodyPr/>
+          <a:bodyPr>
+            <a:normAutofit/>
+          </a:bodyPr>
           <a:lstStyle/>
           <a:p>
             <a:r>
+              <a:rPr lang="en-US" altLang="zh-CN"/>
+              <a:t>IP</a:t>
+            </a:r>
+            <a:r>
               <a:rPr lang="zh-CN" altLang="en-US"/>
-              <a:t>注册公众号</a:t>
+              <a:t>白名单</a:t>
             </a:r>
           </a:p>
         </p:txBody>
@@ -4041,7 +4047,7 @@
           <p:cNvPr id="3" name="内容占位符 2">
             <a:extLst>
               <a:ext uri="{FF2B5EF4-FFF2-40B4-BE49-F238E27FC236}">
-                <a16:creationId xmlns:a16="http://schemas.microsoft.com/office/drawing/2014/main" id="{985709F1-043C-4EAF-9103-29708F2D9735}"/>
+                <a16:creationId xmlns:a16="http://schemas.microsoft.com/office/drawing/2014/main" id="{97085026-6C03-498C-998E-FB0B7B216CCD}"/>
               </a:ext>
             </a:extLst>
           </p:cNvPr>
@@ -4064,7 +4070,7 @@
     </p:spTree>
     <p:extLst>
       <p:ext uri="{BB962C8B-B14F-4D97-AF65-F5344CB8AC3E}">
-        <p14:creationId xmlns:p14="http://schemas.microsoft.com/office/powerpoint/2010/main" val="648880728"/>
+        <p14:creationId xmlns:p14="http://schemas.microsoft.com/office/powerpoint/2010/main" val="3093706499"/>
       </p:ext>
     </p:extLst>
   </p:cSld>

--- a/materials/ch13/ch13-access_token和菜单.pptx
+++ b/materials/ch13/ch13-access_token和菜单.pptx
@@ -10,12 +10,14 @@
     <p:sldId id="275" r:id="rId4"/>
     <p:sldId id="277" r:id="rId5"/>
     <p:sldId id="278" r:id="rId6"/>
-    <p:sldId id="279" r:id="rId7"/>
-    <p:sldId id="280" r:id="rId8"/>
-    <p:sldId id="274" r:id="rId9"/>
-    <p:sldId id="281" r:id="rId10"/>
-    <p:sldId id="259" r:id="rId11"/>
-    <p:sldId id="258" r:id="rId12"/>
+    <p:sldId id="283" r:id="rId7"/>
+    <p:sldId id="279" r:id="rId8"/>
+    <p:sldId id="282" r:id="rId9"/>
+    <p:sldId id="280" r:id="rId10"/>
+    <p:sldId id="274" r:id="rId11"/>
+    <p:sldId id="281" r:id="rId12"/>
+    <p:sldId id="259" r:id="rId13"/>
+    <p:sldId id="258" r:id="rId14"/>
   </p:sldIdLst>
   <p:sldSz cx="12192000" cy="6858000"/>
   <p:notesSz cx="6858000" cy="9144000"/>
@@ -548,7 +550,7 @@
           <a:p>
             <a:fld id="{10955001-8E90-43AD-87AF-166875BDDBE4}" type="datetimeFigureOut">
               <a:rPr lang="zh-CN" altLang="en-US" smtClean="0"/>
-              <a:t>2020/8/22</a:t>
+              <a:t>2020/8/31</a:t>
             </a:fld>
             <a:endParaRPr lang="zh-CN" altLang="en-US"/>
           </a:p>
@@ -780,7 +782,7 @@
           <a:p>
             <a:fld id="{10955001-8E90-43AD-87AF-166875BDDBE4}" type="datetimeFigureOut">
               <a:rPr lang="zh-CN" altLang="en-US" smtClean="0"/>
-              <a:t>2020/8/22</a:t>
+              <a:t>2020/8/31</a:t>
             </a:fld>
             <a:endParaRPr lang="zh-CN" altLang="en-US"/>
           </a:p>
@@ -963,7 +965,7 @@
                 <a:spcPts val="1200"/>
               </a:spcBef>
               <a:defRPr sz="2000" baseline="0">
-                <a:latin typeface="Victor Mono" panose="00000509000000000000" pitchFamily="49" charset="0"/>
+                <a:latin typeface="Ubuntu Mono" panose="020B0509030602030204" pitchFamily="49" charset="0"/>
                 <a:ea typeface="思源黑体 CN Light" panose="020B0300000000000000" pitchFamily="34" charset="-122"/>
               </a:defRPr>
             </a:lvl1pPr>
@@ -975,7 +977,7 @@
                 <a:spcPts val="1200"/>
               </a:spcBef>
               <a:defRPr sz="1800" baseline="0">
-                <a:latin typeface="Victor Mono" panose="00000509000000000000" pitchFamily="49" charset="0"/>
+                <a:latin typeface="Ubuntu Mono" panose="020B0509030602030204" pitchFamily="49" charset="0"/>
                 <a:ea typeface="思源黑体 CN Light" panose="020B0300000000000000" pitchFamily="34" charset="-122"/>
               </a:defRPr>
             </a:lvl2pPr>
@@ -987,7 +989,7 @@
                 <a:spcPts val="1200"/>
               </a:spcBef>
               <a:defRPr sz="1600" baseline="0">
-                <a:latin typeface="Victor Mono" panose="00000509000000000000" pitchFamily="49" charset="0"/>
+                <a:latin typeface="Ubuntu Mono" panose="020B0509030602030204" pitchFamily="49" charset="0"/>
                 <a:ea typeface="思源黑体 CN Light" panose="020B0300000000000000" pitchFamily="34" charset="-122"/>
               </a:defRPr>
             </a:lvl3pPr>
@@ -999,7 +1001,7 @@
                 <a:spcPts val="1200"/>
               </a:spcBef>
               <a:defRPr sz="1400" baseline="0">
-                <a:latin typeface="Victor Mono" panose="00000509000000000000" pitchFamily="49" charset="0"/>
+                <a:latin typeface="Ubuntu Mono" panose="020B0509030602030204" pitchFamily="49" charset="0"/>
                 <a:ea typeface="思源黑体 CN Light" panose="020B0300000000000000" pitchFamily="34" charset="-122"/>
               </a:defRPr>
             </a:lvl4pPr>
@@ -1011,7 +1013,7 @@
                 <a:spcPts val="1200"/>
               </a:spcBef>
               <a:defRPr sz="1400" baseline="0">
-                <a:latin typeface="Victor Mono" panose="00000509000000000000" pitchFamily="49" charset="0"/>
+                <a:latin typeface="Ubuntu Mono" panose="020B0509030602030204" pitchFamily="49" charset="0"/>
                 <a:ea typeface="思源黑体 CN Light" panose="020B0300000000000000" pitchFamily="34" charset="-122"/>
               </a:defRPr>
             </a:lvl5pPr>
@@ -1278,7 +1280,7 @@
           <a:p>
             <a:fld id="{10955001-8E90-43AD-87AF-166875BDDBE4}" type="datetimeFigureOut">
               <a:rPr lang="zh-CN" altLang="en-US" smtClean="0"/>
-              <a:t>2020/8/22</a:t>
+              <a:t>2020/8/31</a:t>
             </a:fld>
             <a:endParaRPr lang="zh-CN" altLang="en-US"/>
           </a:p>
@@ -1707,7 +1709,7 @@
           <a:p>
             <a:fld id="{10955001-8E90-43AD-87AF-166875BDDBE4}" type="datetimeFigureOut">
               <a:rPr lang="zh-CN" altLang="en-US" smtClean="0"/>
-              <a:t>2020/8/22</a:t>
+              <a:t>2020/8/31</a:t>
             </a:fld>
             <a:endParaRPr lang="zh-CN" altLang="en-US"/>
           </a:p>
@@ -2224,7 +2226,7 @@
           <a:p>
             <a:fld id="{10955001-8E90-43AD-87AF-166875BDDBE4}" type="datetimeFigureOut">
               <a:rPr lang="zh-CN" altLang="en-US" smtClean="0"/>
-              <a:t>2020/8/22</a:t>
+              <a:t>2020/8/31</a:t>
             </a:fld>
             <a:endParaRPr lang="zh-CN" altLang="en-US"/>
           </a:p>
@@ -2684,7 +2686,7 @@
           <a:p>
             <a:fld id="{10955001-8E90-43AD-87AF-166875BDDBE4}" type="datetimeFigureOut">
               <a:rPr lang="zh-CN" altLang="en-US" smtClean="0"/>
-              <a:t>2020/8/22</a:t>
+              <a:t>2020/8/31</a:t>
             </a:fld>
             <a:endParaRPr lang="zh-CN" altLang="en-US"/>
           </a:p>
@@ -2996,7 +2998,7 @@
           <a:p>
             <a:fld id="{10955001-8E90-43AD-87AF-166875BDDBE4}" type="datetimeFigureOut">
               <a:rPr lang="zh-CN" altLang="en-US" smtClean="0"/>
-              <a:t>2020/8/22</a:t>
+              <a:t>2020/8/31</a:t>
             </a:fld>
             <a:endParaRPr lang="zh-CN" altLang="en-US"/>
           </a:p>
@@ -3636,6 +3638,174 @@
           <p:cNvPr id="2" name="标题 1">
             <a:extLst>
               <a:ext uri="{FF2B5EF4-FFF2-40B4-BE49-F238E27FC236}">
+                <a16:creationId xmlns:a16="http://schemas.microsoft.com/office/drawing/2014/main" id="{F8012090-F476-430F-B53E-B70DDD5A2638}"/>
+              </a:ext>
+            </a:extLst>
+          </p:cNvPr>
+          <p:cNvSpPr>
+            <a:spLocks noGrp="1"/>
+          </p:cNvSpPr>
+          <p:nvPr>
+            <p:ph type="title"/>
+          </p:nvPr>
+        </p:nvSpPr>
+        <p:spPr/>
+        <p:txBody>
+          <a:bodyPr/>
+          <a:lstStyle/>
+          <a:p>
+            <a:r>
+              <a:rPr lang="zh-CN" altLang="en-US"/>
+              <a:t>给用户打标签</a:t>
+            </a:r>
+          </a:p>
+        </p:txBody>
+      </p:sp>
+      <p:sp>
+        <p:nvSpPr>
+          <p:cNvPr id="3" name="内容占位符 2">
+            <a:extLst>
+              <a:ext uri="{FF2B5EF4-FFF2-40B4-BE49-F238E27FC236}">
+                <a16:creationId xmlns:a16="http://schemas.microsoft.com/office/drawing/2014/main" id="{735F0261-95EF-4A77-903C-0C589150A92E}"/>
+              </a:ext>
+            </a:extLst>
+          </p:cNvPr>
+          <p:cNvSpPr>
+            <a:spLocks noGrp="1"/>
+          </p:cNvSpPr>
+          <p:nvPr>
+            <p:ph idx="1"/>
+          </p:nvPr>
+        </p:nvSpPr>
+        <p:spPr/>
+        <p:txBody>
+          <a:bodyPr/>
+          <a:lstStyle/>
+          <a:p>
+            <a:endParaRPr lang="zh-CN" altLang="en-US"/>
+          </a:p>
+        </p:txBody>
+      </p:sp>
+    </p:spTree>
+    <p:extLst>
+      <p:ext uri="{BB962C8B-B14F-4D97-AF65-F5344CB8AC3E}">
+        <p14:creationId xmlns:p14="http://schemas.microsoft.com/office/powerpoint/2010/main" val="4103007565"/>
+      </p:ext>
+    </p:extLst>
+  </p:cSld>
+  <p:clrMapOvr>
+    <a:masterClrMapping/>
+  </p:clrMapOvr>
+</p:sld>
+</file>
+
+<file path=ppt/slides/slide11.xml><?xml version="1.0" encoding="utf-8"?>
+<p:sld xmlns:a="http://schemas.openxmlformats.org/drawingml/2006/main" xmlns:r="http://schemas.openxmlformats.org/officeDocument/2006/relationships" xmlns:p="http://schemas.openxmlformats.org/presentationml/2006/main">
+  <p:cSld>
+    <p:spTree>
+      <p:nvGrpSpPr>
+        <p:cNvPr id="1" name=""/>
+        <p:cNvGrpSpPr/>
+        <p:nvPr/>
+      </p:nvGrpSpPr>
+      <p:grpSpPr>
+        <a:xfrm>
+          <a:off x="0" y="0"/>
+          <a:ext cx="0" cy="0"/>
+          <a:chOff x="0" y="0"/>
+          <a:chExt cx="0" cy="0"/>
+        </a:xfrm>
+      </p:grpSpPr>
+      <p:sp>
+        <p:nvSpPr>
+          <p:cNvPr id="2" name="标题 1">
+            <a:extLst>
+              <a:ext uri="{FF2B5EF4-FFF2-40B4-BE49-F238E27FC236}">
+                <a16:creationId xmlns:a16="http://schemas.microsoft.com/office/drawing/2014/main" id="{A120AA4C-488A-4AAD-94EF-B1988083690E}"/>
+              </a:ext>
+            </a:extLst>
+          </p:cNvPr>
+          <p:cNvSpPr>
+            <a:spLocks noGrp="1"/>
+          </p:cNvSpPr>
+          <p:nvPr>
+            <p:ph type="title"/>
+          </p:nvPr>
+        </p:nvSpPr>
+        <p:spPr/>
+        <p:txBody>
+          <a:bodyPr>
+            <a:normAutofit/>
+          </a:bodyPr>
+          <a:lstStyle/>
+          <a:p>
+            <a:r>
+              <a:rPr lang="zh-CN" altLang="en-US"/>
+              <a:t>个性化菜单</a:t>
+            </a:r>
+          </a:p>
+        </p:txBody>
+      </p:sp>
+      <p:sp>
+        <p:nvSpPr>
+          <p:cNvPr id="3" name="内容占位符 2">
+            <a:extLst>
+              <a:ext uri="{FF2B5EF4-FFF2-40B4-BE49-F238E27FC236}">
+                <a16:creationId xmlns:a16="http://schemas.microsoft.com/office/drawing/2014/main" id="{97085026-6C03-498C-998E-FB0B7B216CCD}"/>
+              </a:ext>
+            </a:extLst>
+          </p:cNvPr>
+          <p:cNvSpPr>
+            <a:spLocks noGrp="1"/>
+          </p:cNvSpPr>
+          <p:nvPr>
+            <p:ph idx="1"/>
+          </p:nvPr>
+        </p:nvSpPr>
+        <p:spPr/>
+        <p:txBody>
+          <a:bodyPr/>
+          <a:lstStyle/>
+          <a:p>
+            <a:endParaRPr lang="zh-CN" altLang="en-US"/>
+          </a:p>
+        </p:txBody>
+      </p:sp>
+    </p:spTree>
+    <p:extLst>
+      <p:ext uri="{BB962C8B-B14F-4D97-AF65-F5344CB8AC3E}">
+        <p14:creationId xmlns:p14="http://schemas.microsoft.com/office/powerpoint/2010/main" val="3658593862"/>
+      </p:ext>
+    </p:extLst>
+  </p:cSld>
+  <p:clrMapOvr>
+    <a:masterClrMapping/>
+  </p:clrMapOvr>
+</p:sld>
+</file>
+
+<file path=ppt/slides/slide12.xml><?xml version="1.0" encoding="utf-8"?>
+<p:sld xmlns:a="http://schemas.openxmlformats.org/drawingml/2006/main" xmlns:r="http://schemas.openxmlformats.org/officeDocument/2006/relationships" xmlns:p="http://schemas.openxmlformats.org/presentationml/2006/main">
+  <p:cSld>
+    <p:spTree>
+      <p:nvGrpSpPr>
+        <p:cNvPr id="1" name=""/>
+        <p:cNvGrpSpPr/>
+        <p:nvPr/>
+      </p:nvGrpSpPr>
+      <p:grpSpPr>
+        <a:xfrm>
+          <a:off x="0" y="0"/>
+          <a:ext cx="0" cy="0"/>
+          <a:chOff x="0" y="0"/>
+          <a:chExt cx="0" cy="0"/>
+        </a:xfrm>
+      </p:grpSpPr>
+      <p:sp>
+        <p:nvSpPr>
+          <p:cNvPr id="2" name="标题 1">
+            <a:extLst>
+              <a:ext uri="{FF2B5EF4-FFF2-40B4-BE49-F238E27FC236}">
                 <a16:creationId xmlns:a16="http://schemas.microsoft.com/office/drawing/2014/main" id="{14E9355E-652F-436C-B3B0-4D81DA18977B}"/>
               </a:ext>
             </a:extLst>
@@ -3698,7 +3868,7 @@
 </p:sld>
 </file>
 
-<file path=ppt/slides/slide11.xml><?xml version="1.0" encoding="utf-8"?>
+<file path=ppt/slides/slide13.xml><?xml version="1.0" encoding="utf-8"?>
 <p:sld xmlns:a="http://schemas.openxmlformats.org/drawingml/2006/main" xmlns:r="http://schemas.openxmlformats.org/officeDocument/2006/relationships" xmlns:p="http://schemas.openxmlformats.org/presentationml/2006/main">
   <p:cSld>
     <p:spTree>
@@ -3794,7 +3964,32 @@
           <a:bodyPr/>
           <a:lstStyle/>
           <a:p>
-            <a:endParaRPr lang="zh-CN" altLang="en-US"/>
+            <a:r>
+              <a:rPr lang="zh-CN" altLang="en-US"/>
+              <a:t>登录微信公众号，在 开发</a:t>
+            </a:r>
+            <a:r>
+              <a:rPr lang="en-US" altLang="zh-CN"/>
+              <a:t>》</a:t>
+            </a:r>
+            <a:r>
+              <a:rPr lang="zh-CN" altLang="en-US"/>
+              <a:t>开发者工具中 有 公众平台测试账号。</a:t>
+            </a:r>
+            <a:endParaRPr lang="en-US" altLang="zh-CN"/>
+          </a:p>
+          <a:p>
+            <a:r>
+              <a:rPr lang="zh-CN" altLang="en-US"/>
+              <a:t>点击跳转到测试号页面。</a:t>
+            </a:r>
+            <a:endParaRPr lang="en-US" altLang="zh-CN"/>
+          </a:p>
+          <a:p>
+            <a:r>
+              <a:rPr lang="zh-CN" altLang="en-US"/>
+              <a:t>使用手机微信扫码即可进入测试号。</a:t>
+            </a:r>
           </a:p>
         </p:txBody>
       </p:sp>
@@ -3846,50 +4041,53 @@
         </p:nvSpPr>
         <p:spPr/>
         <p:txBody>
-          <a:bodyPr/>
+          <a:bodyPr>
+            <a:normAutofit/>
+          </a:bodyPr>
           <a:lstStyle/>
           <a:p>
             <a:r>
-              <a:rPr lang="en-US" altLang="zh-CN"/>
-              <a:t>AppID</a:t>
-            </a:r>
-            <a:r>
               <a:rPr lang="zh-CN" altLang="en-US"/>
-              <a:t>和</a:t>
-            </a:r>
-            <a:r>
-              <a:rPr lang="en-US" altLang="zh-CN"/>
-              <a:t>AppSecert</a:t>
-            </a:r>
-            <a:endParaRPr lang="zh-CN" altLang="en-US"/>
-          </a:p>
-        </p:txBody>
-      </p:sp>
-      <p:sp>
-        <p:nvSpPr>
-          <p:cNvPr id="3" name="内容占位符 2">
-            <a:extLst>
-              <a:ext uri="{FF2B5EF4-FFF2-40B4-BE49-F238E27FC236}">
-                <a16:creationId xmlns:a16="http://schemas.microsoft.com/office/drawing/2014/main" id="{97085026-6C03-498C-998E-FB0B7B216CCD}"/>
-              </a:ext>
-            </a:extLst>
-          </p:cNvPr>
-          <p:cNvSpPr>
-            <a:spLocks noGrp="1"/>
-          </p:cNvSpPr>
+              <a:t>测试号页面</a:t>
+            </a:r>
+          </a:p>
+        </p:txBody>
+      </p:sp>
+      <p:pic>
+        <p:nvPicPr>
+          <p:cNvPr id="5" name="内容占位符 4">
+            <a:extLst>
+              <a:ext uri="{FF2B5EF4-FFF2-40B4-BE49-F238E27FC236}">
+                <a16:creationId xmlns:a16="http://schemas.microsoft.com/office/drawing/2014/main" id="{A9D885AD-107C-4807-8A8F-0D2C7C423912}"/>
+              </a:ext>
+            </a:extLst>
+          </p:cNvPr>
+          <p:cNvPicPr>
+            <a:picLocks noGrp="1" noChangeAspect="1"/>
+          </p:cNvPicPr>
           <p:nvPr>
             <p:ph idx="1"/>
           </p:nvPr>
-        </p:nvSpPr>
-        <p:spPr/>
-        <p:txBody>
-          <a:bodyPr/>
-          <a:lstStyle/>
-          <a:p>
-            <a:endParaRPr lang="zh-CN" altLang="en-US"/>
-          </a:p>
-        </p:txBody>
-      </p:sp>
+        </p:nvPicPr>
+        <p:blipFill>
+          <a:blip r:embed="rId2">
+            <a:extLst>
+              <a:ext uri="{28A0092B-C50C-407E-A947-70E740481C1C}">
+                <a14:useLocalDpi xmlns:a14="http://schemas.microsoft.com/office/drawing/2010/main" val="0"/>
+              </a:ext>
+            </a:extLst>
+          </a:blip>
+          <a:stretch>
+            <a:fillRect/>
+          </a:stretch>
+        </p:blipFill>
+        <p:spPr>
+          <a:xfrm>
+            <a:off x="1593051" y="1446566"/>
+            <a:ext cx="9005898" cy="5185388"/>
+          </a:xfrm>
+        </p:spPr>
+      </p:pic>
     </p:spTree>
     <p:extLst>
       <p:ext uri="{BB962C8B-B14F-4D97-AF65-F5344CB8AC3E}">
@@ -3943,13 +4141,8 @@
           <a:p>
             <a:r>
               <a:rPr lang="zh-CN" altLang="en-US"/>
-              <a:t>获取</a:t>
-            </a:r>
-            <a:r>
-              <a:rPr lang="en-US" altLang="zh-CN"/>
-              <a:t>access_token</a:t>
-            </a:r>
-            <a:endParaRPr lang="zh-CN" altLang="en-US"/>
+              <a:t>测试号特点</a:t>
+            </a:r>
           </a:p>
         </p:txBody>
       </p:sp>
@@ -3974,7 +4167,46 @@
           <a:bodyPr/>
           <a:lstStyle/>
           <a:p>
-            <a:endParaRPr lang="zh-CN" altLang="en-US"/>
+            <a:r>
+              <a:rPr lang="zh-CN" altLang="en-US"/>
+              <a:t>不能设置名称和头像。</a:t>
+            </a:r>
+            <a:endParaRPr lang="en-US" altLang="zh-CN"/>
+          </a:p>
+          <a:p>
+            <a:r>
+              <a:rPr lang="zh-CN" altLang="en-US"/>
+              <a:t>可以体验高级接口。</a:t>
+            </a:r>
+            <a:endParaRPr lang="en-US" altLang="zh-CN"/>
+          </a:p>
+          <a:p>
+            <a:r>
+              <a:rPr lang="zh-CN" altLang="en-US"/>
+              <a:t>对于一些有次数限制的接口，其次数限制在一个很小的值，并不是接口文档给出的值。</a:t>
+            </a:r>
+            <a:endParaRPr lang="en-US" altLang="zh-CN"/>
+          </a:p>
+          <a:p>
+            <a:r>
+              <a:rPr lang="zh-CN" altLang="en-US"/>
+              <a:t>关注用户最多</a:t>
+            </a:r>
+            <a:r>
+              <a:rPr lang="en-US" altLang="zh-CN"/>
+              <a:t>100</a:t>
+            </a:r>
+            <a:r>
+              <a:rPr lang="zh-CN" altLang="en-US"/>
+              <a:t>个。</a:t>
+            </a:r>
+            <a:endParaRPr lang="en-US" altLang="zh-CN"/>
+          </a:p>
+          <a:p>
+            <a:r>
+              <a:rPr lang="zh-CN" altLang="en-US"/>
+              <a:t>测试号的主要目的是用于接口的测试开发和功能体验，在完成测试后会把功能上线到正式的公众号。</a:t>
+            </a:r>
           </a:p>
         </p:txBody>
       </p:sp>
@@ -4032,12 +4264,8 @@
           <a:lstStyle/>
           <a:p>
             <a:r>
-              <a:rPr lang="en-US" altLang="zh-CN"/>
-              <a:t>IP</a:t>
-            </a:r>
-            <a:r>
               <a:rPr lang="zh-CN" altLang="en-US"/>
-              <a:t>白名单</a:t>
+              <a:t>测试号接口开发</a:t>
             </a:r>
           </a:p>
         </p:txBody>
@@ -4063,7 +4291,31 @@
           <a:bodyPr/>
           <a:lstStyle/>
           <a:p>
-            <a:endParaRPr lang="zh-CN" altLang="en-US"/>
+            <a:r>
+              <a:rPr lang="zh-CN" altLang="en-US"/>
+              <a:t>在接口开发和消息通信部分，主要的开发工作都是在测试号完成的。</a:t>
+            </a:r>
+            <a:endParaRPr lang="en-US" altLang="zh-CN"/>
+          </a:p>
+          <a:p>
+            <a:endParaRPr lang="en-US" altLang="zh-CN"/>
+          </a:p>
+          <a:p>
+            <a:r>
+              <a:rPr lang="zh-CN" altLang="en-US"/>
+              <a:t>因为个人订阅号不支持接口的调用。</a:t>
+            </a:r>
+            <a:endParaRPr lang="en-US" altLang="zh-CN"/>
+          </a:p>
+          <a:p>
+            <a:endParaRPr lang="en-US" altLang="zh-CN"/>
+          </a:p>
+          <a:p>
+            <a:r>
+              <a:rPr lang="zh-CN" altLang="en-US"/>
+              <a:t>在个人订阅号，只支持服务端消息通信，此时，通过公众号后台管理设置的菜单会失效，这时候要启用公众号菜单需要通过创建菜单接口。而个人订阅号是没有权限的。</a:t>
+            </a:r>
+            <a:endParaRPr lang="en-US" altLang="zh-CN"/>
           </a:p>
         </p:txBody>
       </p:sp>
@@ -4102,7 +4354,7 @@
           <p:cNvPr id="2" name="标题 1">
             <a:extLst>
               <a:ext uri="{FF2B5EF4-FFF2-40B4-BE49-F238E27FC236}">
-                <a16:creationId xmlns:a16="http://schemas.microsoft.com/office/drawing/2014/main" id="{A120AA4C-488A-4AAD-94EF-B1988083690E}"/>
+                <a16:creationId xmlns:a16="http://schemas.microsoft.com/office/drawing/2014/main" id="{F5448C37-03ED-4F49-85C2-675030C1605C}"/>
               </a:ext>
             </a:extLst>
           </p:cNvPr>
@@ -4111,42 +4363,100 @@
           </p:cNvSpPr>
           <p:nvPr>
             <p:ph type="title"/>
-          </p:nvPr>
-        </p:nvSpPr>
-        <p:spPr/>
-        <p:txBody>
-          <a:bodyPr>
-            <a:normAutofit/>
-          </a:bodyPr>
-          <a:lstStyle/>
-          <a:p>
-            <a:r>
-              <a:rPr lang="zh-CN" altLang="en-US"/>
-              <a:t>创建菜单</a:t>
-            </a:r>
-          </a:p>
-        </p:txBody>
-      </p:sp>
-      <p:sp>
-        <p:nvSpPr>
-          <p:cNvPr id="3" name="内容占位符 2">
-            <a:extLst>
-              <a:ext uri="{FF2B5EF4-FFF2-40B4-BE49-F238E27FC236}">
-                <a16:creationId xmlns:a16="http://schemas.microsoft.com/office/drawing/2014/main" id="{97085026-6C03-498C-998E-FB0B7B216CCD}"/>
-              </a:ext>
-            </a:extLst>
-          </p:cNvPr>
-          <p:cNvSpPr>
-            <a:spLocks noGrp="1"/>
-          </p:cNvSpPr>
-          <p:nvPr>
-            <p:ph idx="1"/>
           </p:nvPr>
         </p:nvSpPr>
         <p:spPr/>
         <p:txBody>
           <a:bodyPr/>
           <a:lstStyle/>
+          <a:p>
+            <a:r>
+              <a:rPr lang="en-US" altLang="zh-CN"/>
+              <a:t>AppID</a:t>
+            </a:r>
+            <a:r>
+              <a:rPr lang="zh-CN" altLang="en-US"/>
+              <a:t>和</a:t>
+            </a:r>
+            <a:r>
+              <a:rPr lang="en-US" altLang="zh-CN"/>
+              <a:t>AppSecret</a:t>
+            </a:r>
+            <a:endParaRPr lang="zh-CN" altLang="en-US"/>
+          </a:p>
+        </p:txBody>
+      </p:sp>
+      <p:sp>
+        <p:nvSpPr>
+          <p:cNvPr id="3" name="内容占位符 2">
+            <a:extLst>
+              <a:ext uri="{FF2B5EF4-FFF2-40B4-BE49-F238E27FC236}">
+                <a16:creationId xmlns:a16="http://schemas.microsoft.com/office/drawing/2014/main" id="{038CD7AD-9447-4342-BBE3-B64D5A07D619}"/>
+              </a:ext>
+            </a:extLst>
+          </p:cNvPr>
+          <p:cNvSpPr>
+            <a:spLocks noGrp="1"/>
+          </p:cNvSpPr>
+          <p:nvPr>
+            <p:ph idx="1"/>
+          </p:nvPr>
+        </p:nvSpPr>
+        <p:spPr/>
+        <p:txBody>
+          <a:bodyPr/>
+          <a:lstStyle/>
+          <a:p>
+            <a:r>
+              <a:rPr lang="en-US" altLang="zh-CN"/>
+              <a:t>AppID</a:t>
+            </a:r>
+            <a:r>
+              <a:rPr lang="zh-CN" altLang="en-US"/>
+              <a:t>是分配给账号的唯一</a:t>
+            </a:r>
+            <a:r>
+              <a:rPr lang="en-US" altLang="zh-CN"/>
+              <a:t>ID</a:t>
+            </a:r>
+            <a:r>
+              <a:rPr lang="zh-CN" altLang="en-US"/>
+              <a:t>。</a:t>
+            </a:r>
+            <a:endParaRPr lang="en-US" altLang="zh-CN"/>
+          </a:p>
+          <a:p>
+            <a:endParaRPr lang="en-US" altLang="zh-CN"/>
+          </a:p>
+          <a:p>
+            <a:r>
+              <a:rPr lang="en-US" altLang="zh-CN"/>
+              <a:t>AppSecret</a:t>
+            </a:r>
+            <a:r>
+              <a:rPr lang="zh-CN" altLang="en-US"/>
+              <a:t>是调用接口的密钥。是绝对不能暴露给其他人的。</a:t>
+            </a:r>
+            <a:endParaRPr lang="en-US" altLang="zh-CN"/>
+          </a:p>
+          <a:p>
+            <a:endParaRPr lang="en-US" altLang="zh-CN"/>
+          </a:p>
+          <a:p>
+            <a:r>
+              <a:rPr lang="zh-CN" altLang="en-US"/>
+              <a:t>在正常的公众号中，</a:t>
+            </a:r>
+            <a:r>
+              <a:rPr lang="en-US" altLang="zh-CN"/>
+              <a:t>AppSecret</a:t>
+            </a:r>
+            <a:r>
+              <a:rPr lang="zh-CN" altLang="en-US"/>
+              <a:t>是不显示的，申请后要自己保存，如果丢失需要申请重置。</a:t>
+            </a:r>
+            <a:endParaRPr lang="en-US" altLang="zh-CN"/>
+          </a:p>
           <a:p>
             <a:endParaRPr lang="zh-CN" altLang="en-US"/>
           </a:p>
@@ -4155,7 +4465,7 @@
     </p:spTree>
     <p:extLst>
       <p:ext uri="{BB962C8B-B14F-4D97-AF65-F5344CB8AC3E}">
-        <p14:creationId xmlns:p14="http://schemas.microsoft.com/office/powerpoint/2010/main" val="2884748437"/>
+        <p14:creationId xmlns:p14="http://schemas.microsoft.com/office/powerpoint/2010/main" val="3539402636"/>
       </p:ext>
     </p:extLst>
   </p:cSld>
@@ -4206,9 +4516,10 @@
           <a:lstStyle/>
           <a:p>
             <a:r>
-              <a:rPr lang="zh-CN" altLang="en-US"/>
-              <a:t>用户标签</a:t>
-            </a:r>
+              <a:rPr lang="en-US" altLang="zh-CN"/>
+              <a:t>access_token</a:t>
+            </a:r>
+            <a:endParaRPr lang="zh-CN" altLang="en-US"/>
           </a:p>
         </p:txBody>
       </p:sp>
@@ -4233,14 +4544,17 @@
           <a:bodyPr/>
           <a:lstStyle/>
           <a:p>
-            <a:endParaRPr lang="zh-CN" altLang="en-US"/>
+            <a:r>
+              <a:rPr lang="zh-CN" altLang="en-US"/>
+              <a:t>大部分接口调用都需要一个调用凭证</a:t>
+            </a:r>
           </a:p>
         </p:txBody>
       </p:sp>
     </p:spTree>
     <p:extLst>
       <p:ext uri="{BB962C8B-B14F-4D97-AF65-F5344CB8AC3E}">
-        <p14:creationId xmlns:p14="http://schemas.microsoft.com/office/powerpoint/2010/main" val="869764102"/>
+        <p14:creationId xmlns:p14="http://schemas.microsoft.com/office/powerpoint/2010/main" val="2884748437"/>
       </p:ext>
     </p:extLst>
   </p:cSld>
@@ -4272,7 +4586,7 @@
           <p:cNvPr id="2" name="标题 1">
             <a:extLst>
               <a:ext uri="{FF2B5EF4-FFF2-40B4-BE49-F238E27FC236}">
-                <a16:creationId xmlns:a16="http://schemas.microsoft.com/office/drawing/2014/main" id="{F8012090-F476-430F-B53E-B70DDD5A2638}"/>
+                <a16:creationId xmlns:a16="http://schemas.microsoft.com/office/drawing/2014/main" id="{A120AA4C-488A-4AAD-94EF-B1988083690E}"/>
               </a:ext>
             </a:extLst>
           </p:cNvPr>
@@ -4285,12 +4599,14 @@
         </p:nvSpPr>
         <p:spPr/>
         <p:txBody>
-          <a:bodyPr/>
+          <a:bodyPr>
+            <a:normAutofit/>
+          </a:bodyPr>
           <a:lstStyle/>
           <a:p>
             <a:r>
               <a:rPr lang="zh-CN" altLang="en-US"/>
-              <a:t>给用户打标签</a:t>
+              <a:t>创建菜单</a:t>
             </a:r>
           </a:p>
         </p:txBody>
@@ -4300,7 +4616,7 @@
           <p:cNvPr id="3" name="内容占位符 2">
             <a:extLst>
               <a:ext uri="{FF2B5EF4-FFF2-40B4-BE49-F238E27FC236}">
-                <a16:creationId xmlns:a16="http://schemas.microsoft.com/office/drawing/2014/main" id="{735F0261-95EF-4A77-903C-0C589150A92E}"/>
+                <a16:creationId xmlns:a16="http://schemas.microsoft.com/office/drawing/2014/main" id="{97085026-6C03-498C-998E-FB0B7B216CCD}"/>
               </a:ext>
             </a:extLst>
           </p:cNvPr>
@@ -4323,7 +4639,7 @@
     </p:spTree>
     <p:extLst>
       <p:ext uri="{BB962C8B-B14F-4D97-AF65-F5344CB8AC3E}">
-        <p14:creationId xmlns:p14="http://schemas.microsoft.com/office/powerpoint/2010/main" val="4103007565"/>
+        <p14:creationId xmlns:p14="http://schemas.microsoft.com/office/powerpoint/2010/main" val="392556454"/>
       </p:ext>
     </p:extLst>
   </p:cSld>
@@ -4375,7 +4691,7 @@
           <a:p>
             <a:r>
               <a:rPr lang="zh-CN" altLang="en-US"/>
-              <a:t>个性化菜单</a:t>
+              <a:t>用户标签</a:t>
             </a:r>
           </a:p>
         </p:txBody>
@@ -4408,7 +4724,7 @@
     </p:spTree>
     <p:extLst>
       <p:ext uri="{BB962C8B-B14F-4D97-AF65-F5344CB8AC3E}">
-        <p14:creationId xmlns:p14="http://schemas.microsoft.com/office/powerpoint/2010/main" val="3658593862"/>
+        <p14:creationId xmlns:p14="http://schemas.microsoft.com/office/powerpoint/2010/main" val="869764102"/>
       </p:ext>
     </p:extLst>
   </p:cSld>
